--- a/避難所情報サービス開発プロジェクト.pptx
+++ b/避難所情報サービス開発プロジェクト.pptx
@@ -13,12 +13,11 @@
     <p:sldId id="266" r:id="rId7"/>
     <p:sldId id="267" r:id="rId8"/>
     <p:sldId id="275" r:id="rId9"/>
-    <p:sldId id="276" r:id="rId10"/>
-    <p:sldId id="274" r:id="rId11"/>
-    <p:sldId id="265" r:id="rId12"/>
-    <p:sldId id="271" r:id="rId13"/>
-    <p:sldId id="272" r:id="rId14"/>
-    <p:sldId id="273" r:id="rId15"/>
+    <p:sldId id="274" r:id="rId10"/>
+    <p:sldId id="265" r:id="rId11"/>
+    <p:sldId id="271" r:id="rId12"/>
+    <p:sldId id="272" r:id="rId13"/>
+    <p:sldId id="273" r:id="rId14"/>
   </p:sldIdLst>
   <p:sldSz cx="12192000" cy="6858000"/>
   <p:notesSz cx="6858000" cy="9144000"/>
@@ -1561,7 +1560,7 @@
           <a:p>
             <a:fld id="{1A8AE148-06EA-4181-99E8-9DA90B4E8287}" type="datetimeFigureOut">
               <a:rPr kumimoji="1" lang="ja-JP" altLang="en-US" smtClean="0"/>
-              <a:t>2017/6/7</a:t>
+              <a:t>2017/6/8</a:t>
             </a:fld>
             <a:endParaRPr kumimoji="1" lang="ja-JP" altLang="en-US"/>
           </a:p>
@@ -1801,7 +1800,7 @@
           <a:p>
             <a:fld id="{1A8AE148-06EA-4181-99E8-9DA90B4E8287}" type="datetimeFigureOut">
               <a:rPr kumimoji="1" lang="ja-JP" altLang="en-US" smtClean="0"/>
-              <a:t>2017/6/7</a:t>
+              <a:t>2017/6/8</a:t>
             </a:fld>
             <a:endParaRPr kumimoji="1" lang="ja-JP" altLang="en-US"/>
           </a:p>
@@ -2089,7 +2088,7 @@
           <a:p>
             <a:fld id="{1A8AE148-06EA-4181-99E8-9DA90B4E8287}" type="datetimeFigureOut">
               <a:rPr kumimoji="1" lang="ja-JP" altLang="en-US" smtClean="0"/>
-              <a:t>2017/6/7</a:t>
+              <a:t>2017/6/8</a:t>
             </a:fld>
             <a:endParaRPr kumimoji="1" lang="ja-JP" altLang="en-US"/>
           </a:p>
@@ -2295,7 +2294,7 @@
           <a:p>
             <a:fld id="{1A8AE148-06EA-4181-99E8-9DA90B4E8287}" type="datetimeFigureOut">
               <a:rPr kumimoji="1" lang="ja-JP" altLang="en-US" smtClean="0"/>
-              <a:t>2017/6/7</a:t>
+              <a:t>2017/6/8</a:t>
             </a:fld>
             <a:endParaRPr kumimoji="1" lang="ja-JP" altLang="en-US"/>
           </a:p>
@@ -2638,7 +2637,7 @@
           <a:p>
             <a:fld id="{1A8AE148-06EA-4181-99E8-9DA90B4E8287}" type="datetimeFigureOut">
               <a:rPr kumimoji="1" lang="ja-JP" altLang="en-US" smtClean="0"/>
-              <a:t>2017/6/7</a:t>
+              <a:t>2017/6/8</a:t>
             </a:fld>
             <a:endParaRPr kumimoji="1" lang="ja-JP" altLang="en-US"/>
           </a:p>
@@ -2977,7 +2976,7 @@
           <a:p>
             <a:fld id="{1A8AE148-06EA-4181-99E8-9DA90B4E8287}" type="datetimeFigureOut">
               <a:rPr kumimoji="1" lang="ja-JP" altLang="en-US" smtClean="0"/>
-              <a:t>2017/6/7</a:t>
+              <a:t>2017/6/8</a:t>
             </a:fld>
             <a:endParaRPr kumimoji="1" lang="ja-JP" altLang="en-US"/>
           </a:p>
@@ -3420,7 +3419,7 @@
           <a:p>
             <a:fld id="{1A8AE148-06EA-4181-99E8-9DA90B4E8287}" type="datetimeFigureOut">
               <a:rPr kumimoji="1" lang="ja-JP" altLang="en-US" smtClean="0"/>
-              <a:t>2017/6/7</a:t>
+              <a:t>2017/6/8</a:t>
             </a:fld>
             <a:endParaRPr kumimoji="1" lang="ja-JP" altLang="en-US"/>
           </a:p>
@@ -3538,7 +3537,7 @@
           <a:p>
             <a:fld id="{1A8AE148-06EA-4181-99E8-9DA90B4E8287}" type="datetimeFigureOut">
               <a:rPr kumimoji="1" lang="ja-JP" altLang="en-US" smtClean="0"/>
-              <a:t>2017/6/7</a:t>
+              <a:t>2017/6/8</a:t>
             </a:fld>
             <a:endParaRPr kumimoji="1" lang="ja-JP" altLang="en-US"/>
           </a:p>
@@ -3709,7 +3708,7 @@
           <a:p>
             <a:fld id="{1A8AE148-06EA-4181-99E8-9DA90B4E8287}" type="datetimeFigureOut">
               <a:rPr kumimoji="1" lang="ja-JP" altLang="en-US" smtClean="0"/>
-              <a:t>2017/6/7</a:t>
+              <a:t>2017/6/8</a:t>
             </a:fld>
             <a:endParaRPr kumimoji="1" lang="ja-JP" altLang="en-US"/>
           </a:p>
@@ -4095,7 +4094,7 @@
           <a:p>
             <a:fld id="{1A8AE148-06EA-4181-99E8-9DA90B4E8287}" type="datetimeFigureOut">
               <a:rPr kumimoji="1" lang="ja-JP" altLang="en-US" smtClean="0"/>
-              <a:t>2017/6/7</a:t>
+              <a:t>2017/6/8</a:t>
             </a:fld>
             <a:endParaRPr kumimoji="1" lang="ja-JP" altLang="en-US"/>
           </a:p>
@@ -4477,7 +4476,7 @@
           <a:p>
             <a:fld id="{1A8AE148-06EA-4181-99E8-9DA90B4E8287}" type="datetimeFigureOut">
               <a:rPr kumimoji="1" lang="ja-JP" altLang="en-US" smtClean="0"/>
-              <a:t>2017/6/7</a:t>
+              <a:t>2017/6/8</a:t>
             </a:fld>
             <a:endParaRPr kumimoji="1" lang="ja-JP" altLang="en-US"/>
           </a:p>
@@ -4796,7 +4795,7 @@
           <a:p>
             <a:fld id="{1A8AE148-06EA-4181-99E8-9DA90B4E8287}" type="datetimeFigureOut">
               <a:rPr kumimoji="1" lang="ja-JP" altLang="en-US" smtClean="0"/>
-              <a:t>2017/6/7</a:t>
+              <a:t>2017/6/8</a:t>
             </a:fld>
             <a:endParaRPr kumimoji="1" lang="ja-JP" altLang="en-US"/>
           </a:p>
@@ -5362,8 +5361,8 @@
         </p:nvSpPr>
         <p:spPr>
           <a:xfrm>
-            <a:off x="7757539" y="4806349"/>
-            <a:ext cx="3454944" cy="1143000"/>
+            <a:off x="7215447" y="4806349"/>
+            <a:ext cx="3997036" cy="1143000"/>
           </a:xfrm>
         </p:spPr>
         <p:txBody>
@@ -5372,13 +5371,31 @@
           </a:bodyPr>
           <a:lstStyle/>
           <a:p>
+            <a:r>
+              <a:rPr kumimoji="1" lang="en-US" altLang="ja-JP" dirty="0" smtClean="0">
+                <a:solidFill>
+                  <a:schemeClr val="tx1"/>
+                </a:solidFill>
+                <a:latin typeface="+mj-ea"/>
+                <a:ea typeface="+mj-ea"/>
+              </a:rPr>
+              <a:t>PM</a:t>
+            </a:r>
             <a:r>
               <a:rPr kumimoji="1" lang="ja-JP" altLang="en-US" dirty="0" smtClean="0">
                 <a:solidFill>
                   <a:schemeClr val="tx1"/>
                 </a:solidFill>
               </a:rPr>
-              <a:t>１５４２０７１　武田拓朗</a:t>
+              <a:t>　１５４２０７１</a:t>
+            </a:r>
+            <a:r>
+              <a:rPr kumimoji="1" lang="ja-JP" altLang="en-US" dirty="0" smtClean="0">
+                <a:solidFill>
+                  <a:schemeClr val="tx1"/>
+                </a:solidFill>
+              </a:rPr>
+              <a:t>　武田拓朗</a:t>
             </a:r>
             <a:endParaRPr kumimoji="1" lang="en-US" altLang="ja-JP" dirty="0" smtClean="0">
               <a:solidFill>
@@ -5393,7 +5410,15 @@
                   <a:schemeClr val="tx1"/>
                 </a:solidFill>
               </a:rPr>
-              <a:t>１５４２０４４　近藤智之</a:t>
+              <a:t>　　　１５４２０４４</a:t>
+            </a:r>
+            <a:r>
+              <a:rPr lang="ja-JP" altLang="en-US" dirty="0" smtClean="0">
+                <a:solidFill>
+                  <a:schemeClr val="tx1"/>
+                </a:solidFill>
+              </a:rPr>
+              <a:t>　近藤智之</a:t>
             </a:r>
             <a:endParaRPr lang="en-US" altLang="ja-JP" dirty="0" smtClean="0">
               <a:solidFill>
@@ -5408,7 +5433,15 @@
                   <a:schemeClr val="tx1"/>
                 </a:solidFill>
               </a:rPr>
-              <a:t>１５４２０９８　星　ひかる</a:t>
+              <a:t>　　　１５４２０９８</a:t>
+            </a:r>
+            <a:r>
+              <a:rPr kumimoji="1" lang="ja-JP" altLang="en-US" dirty="0" smtClean="0">
+                <a:solidFill>
+                  <a:schemeClr val="tx1"/>
+                </a:solidFill>
+              </a:rPr>
+              <a:t>　星　ひかる</a:t>
             </a:r>
             <a:endParaRPr kumimoji="1" lang="ja-JP" altLang="en-US" dirty="0">
               <a:solidFill>
@@ -5510,129 +5543,6 @@
           <a:p>
             <a:r>
               <a:rPr kumimoji="1" lang="ja-JP" altLang="en-US" dirty="0" smtClean="0"/>
-              <a:t>コスト見積り</a:t>
-            </a:r>
-            <a:endParaRPr kumimoji="1" lang="ja-JP" altLang="en-US" dirty="0"/>
-          </a:p>
-        </p:txBody>
-      </p:sp>
-      <p:sp>
-        <p:nvSpPr>
-          <p:cNvPr id="3" name="コンテンツ プレースホルダー 2"/>
-          <p:cNvSpPr>
-            <a:spLocks noGrp="1"/>
-          </p:cNvSpPr>
-          <p:nvPr>
-            <p:ph idx="1"/>
-          </p:nvPr>
-        </p:nvSpPr>
-        <p:spPr/>
-        <p:txBody>
-          <a:bodyPr/>
-          <a:lstStyle/>
-          <a:p>
-            <a:r>
-              <a:rPr kumimoji="1" lang="ja-JP" altLang="en-US" dirty="0" smtClean="0"/>
-              <a:t>人件費：０．９</a:t>
-            </a:r>
-            <a:r>
-              <a:rPr kumimoji="1" lang="en-US" altLang="ja-JP" dirty="0" smtClean="0"/>
-              <a:t>×</a:t>
-            </a:r>
-            <a:r>
-              <a:rPr kumimoji="1" lang="ja-JP" altLang="en-US" dirty="0" smtClean="0"/>
-              <a:t>８</a:t>
-            </a:r>
-            <a:r>
-              <a:rPr kumimoji="1" lang="en-US" altLang="ja-JP" dirty="0" smtClean="0"/>
-              <a:t>×</a:t>
-            </a:r>
-            <a:r>
-              <a:rPr kumimoji="1" lang="ja-JP" altLang="en-US" dirty="0" smtClean="0"/>
-              <a:t>２０＝１４４ｈ（時間）</a:t>
-            </a:r>
-            <a:endParaRPr kumimoji="1" lang="en-US" altLang="ja-JP" dirty="0" smtClean="0"/>
-          </a:p>
-          <a:p>
-            <a:endParaRPr lang="en-US" altLang="ja-JP" dirty="0"/>
-          </a:p>
-          <a:p>
-            <a:r>
-              <a:rPr kumimoji="1" lang="ja-JP" altLang="en-US" dirty="0" smtClean="0"/>
-              <a:t>予備費：１４４</a:t>
-            </a:r>
-            <a:r>
-              <a:rPr kumimoji="1" lang="en-US" altLang="ja-JP" dirty="0" smtClean="0"/>
-              <a:t>×</a:t>
-            </a:r>
-            <a:r>
-              <a:rPr kumimoji="1" lang="ja-JP" altLang="en-US" dirty="0" smtClean="0"/>
-              <a:t>０．１＝１４．４ｈ（時間）</a:t>
-            </a:r>
-            <a:endParaRPr kumimoji="1" lang="en-US" altLang="ja-JP" dirty="0" smtClean="0"/>
-          </a:p>
-          <a:p>
-            <a:endParaRPr lang="en-US" altLang="ja-JP" dirty="0"/>
-          </a:p>
-          <a:p>
-            <a:r>
-              <a:rPr kumimoji="1" lang="ja-JP" altLang="en-US" dirty="0" smtClean="0"/>
-              <a:t>計：１５８．４ｈ（時間）</a:t>
-            </a:r>
-            <a:endParaRPr kumimoji="1" lang="en-US" altLang="ja-JP" dirty="0" smtClean="0"/>
-          </a:p>
-          <a:p>
-            <a:endParaRPr kumimoji="1" lang="ja-JP" altLang="en-US" dirty="0"/>
-          </a:p>
-        </p:txBody>
-      </p:sp>
-    </p:spTree>
-    <p:extLst>
-      <p:ext uri="{BB962C8B-B14F-4D97-AF65-F5344CB8AC3E}">
-        <p14:creationId xmlns:p14="http://schemas.microsoft.com/office/powerpoint/2010/main" val="1940932362"/>
-      </p:ext>
-    </p:extLst>
-  </p:cSld>
-  <p:clrMapOvr>
-    <a:masterClrMapping/>
-  </p:clrMapOvr>
-</p:sld>
-</file>
-
-<file path=ppt/slides/slide11.xml><?xml version="1.0" encoding="utf-8"?>
-<p:sld xmlns:a="http://schemas.openxmlformats.org/drawingml/2006/main" xmlns:r="http://schemas.openxmlformats.org/officeDocument/2006/relationships" xmlns:p="http://schemas.openxmlformats.org/presentationml/2006/main">
-  <p:cSld>
-    <p:spTree>
-      <p:nvGrpSpPr>
-        <p:cNvPr id="1" name=""/>
-        <p:cNvGrpSpPr/>
-        <p:nvPr/>
-      </p:nvGrpSpPr>
-      <p:grpSpPr>
-        <a:xfrm>
-          <a:off x="0" y="0"/>
-          <a:ext cx="0" cy="0"/>
-          <a:chOff x="0" y="0"/>
-          <a:chExt cx="0" cy="0"/>
-        </a:xfrm>
-      </p:grpSpPr>
-      <p:sp>
-        <p:nvSpPr>
-          <p:cNvPr id="2" name="タイトル 1"/>
-          <p:cNvSpPr>
-            <a:spLocks noGrp="1"/>
-          </p:cNvSpPr>
-          <p:nvPr>
-            <p:ph type="title"/>
-          </p:nvPr>
-        </p:nvSpPr>
-        <p:spPr/>
-        <p:txBody>
-          <a:bodyPr/>
-          <a:lstStyle/>
-          <a:p>
-            <a:r>
-              <a:rPr kumimoji="1" lang="ja-JP" altLang="en-US" dirty="0" smtClean="0"/>
               <a:t>進捗状況</a:t>
             </a:r>
             <a:endParaRPr kumimoji="1" lang="ja-JP" altLang="en-US" dirty="0"/>
@@ -5661,7 +5571,7 @@
           <a:graphicData uri="http://schemas.openxmlformats.org/presentationml/2006/ole">
             <mc:AlternateContent xmlns:mc="http://schemas.openxmlformats.org/markup-compatibility/2006">
               <mc:Choice xmlns:v="urn:schemas-microsoft-com:vml" Requires="v">
-                <p:oleObj spid="_x0000_s1028" name="ワークシート" r:id="rId3" imgW="11487307" imgH="5286295" progId="Excel.Sheet.12">
+                <p:oleObj spid="_x0000_s1031" name="ワークシート" r:id="rId3" imgW="11487307" imgH="5286295" progId="Excel.Sheet.12">
                   <p:embed/>
                 </p:oleObj>
               </mc:Choice>
@@ -5740,7 +5650,7 @@
 </p:sld>
 </file>
 
-<file path=ppt/slides/slide12.xml><?xml version="1.0" encoding="utf-8"?>
+<file path=ppt/slides/slide11.xml><?xml version="1.0" encoding="utf-8"?>
 <p:sld xmlns:a="http://schemas.openxmlformats.org/drawingml/2006/main" xmlns:r="http://schemas.openxmlformats.org/officeDocument/2006/relationships" xmlns:p="http://schemas.openxmlformats.org/presentationml/2006/main">
   <p:cSld>
     <p:spTree>
@@ -5807,7 +5717,7 @@
 </p:sld>
 </file>
 
-<file path=ppt/slides/slide13.xml><?xml version="1.0" encoding="utf-8"?>
+<file path=ppt/slides/slide12.xml><?xml version="1.0" encoding="utf-8"?>
 <p:sld xmlns:a="http://schemas.openxmlformats.org/drawingml/2006/main" xmlns:r="http://schemas.openxmlformats.org/officeDocument/2006/relationships" xmlns:p="http://schemas.openxmlformats.org/presentationml/2006/main">
   <p:cSld>
     <p:spTree>
@@ -5870,7 +5780,7 @@
           <a:graphicData uri="http://schemas.openxmlformats.org/presentationml/2006/ole">
             <mc:AlternateContent xmlns:mc="http://schemas.openxmlformats.org/markup-compatibility/2006">
               <mc:Choice xmlns:v="urn:schemas-microsoft-com:vml" Requires="v">
-                <p:oleObj spid="_x0000_s2052" name="ワークシート" r:id="rId3" imgW="11487307" imgH="5286295" progId="Excel.Sheet.12">
+                <p:oleObj spid="_x0000_s2055" name="ワークシート" r:id="rId3" imgW="11487307" imgH="5286295" progId="Excel.Sheet.12">
                   <p:embed/>
                 </p:oleObj>
               </mc:Choice>
@@ -5925,7 +5835,7 @@
 </p:sld>
 </file>
 
-<file path=ppt/slides/slide14.xml><?xml version="1.0" encoding="utf-8"?>
+<file path=ppt/slides/slide13.xml><?xml version="1.0" encoding="utf-8"?>
 <p:sld xmlns:a="http://schemas.openxmlformats.org/drawingml/2006/main" xmlns:r="http://schemas.openxmlformats.org/officeDocument/2006/relationships" xmlns:p="http://schemas.openxmlformats.org/presentationml/2006/main">
   <p:cSld>
     <p:spTree>
@@ -6218,6 +6128,18 @@
             </a:r>
           </a:p>
           <a:p>
+            <a:r>
+              <a:rPr lang="ja-JP" altLang="en-US" dirty="0" smtClean="0"/>
+              <a:t>「逃げる</a:t>
+            </a:r>
+            <a:r>
+              <a:rPr lang="ja-JP" altLang="en-US" dirty="0"/>
+              <a:t>は恥だが役に</a:t>
+            </a:r>
+            <a:r>
+              <a:rPr lang="ja-JP" altLang="en-US" dirty="0" smtClean="0"/>
+              <a:t>立つ」をモットーにシステムを開発する</a:t>
+            </a:r>
             <a:endParaRPr kumimoji="1" lang="ja-JP" altLang="en-US" dirty="0"/>
           </a:p>
         </p:txBody>
@@ -6629,14 +6551,42 @@
           <a:p>
             <a:r>
               <a:rPr lang="ja-JP" altLang="en-US" dirty="0" smtClean="0"/>
-              <a:t>・ユーザストーリーを作成し、上から順に開発する</a:t>
+              <a:t>・ユーザストーリーを作成し</a:t>
+            </a:r>
+            <a:r>
+              <a:rPr lang="ja-JP" altLang="en-US" dirty="0" smtClean="0"/>
+              <a:t>、</a:t>
+            </a:r>
+            <a:r>
+              <a:rPr lang="ja-JP" altLang="en-US" dirty="0" smtClean="0"/>
+              <a:t>優先順位ごと</a:t>
+            </a:r>
+            <a:r>
+              <a:rPr lang="ja-JP" altLang="en-US" dirty="0" smtClean="0"/>
+              <a:t>に</a:t>
+            </a:r>
+            <a:r>
+              <a:rPr lang="ja-JP" altLang="en-US" dirty="0" smtClean="0"/>
+              <a:t>開発する</a:t>
             </a:r>
             <a:endParaRPr lang="en-US" altLang="ja-JP" dirty="0" smtClean="0"/>
           </a:p>
           <a:p>
             <a:r>
               <a:rPr kumimoji="1" lang="ja-JP" altLang="en-US" dirty="0" smtClean="0"/>
-              <a:t>・スプリントは</a:t>
+              <a:t>・</a:t>
+            </a:r>
+            <a:r>
+              <a:rPr kumimoji="1" lang="en-US" altLang="ja-JP" dirty="0" smtClean="0"/>
+              <a:t>1</a:t>
+            </a:r>
+            <a:r>
+              <a:rPr kumimoji="1" lang="ja-JP" altLang="en-US" dirty="0" smtClean="0"/>
+              <a:t>スプリント</a:t>
+            </a:r>
+            <a:r>
+              <a:rPr kumimoji="1" lang="ja-JP" altLang="en-US" dirty="0" smtClean="0"/>
+              <a:t>は</a:t>
             </a:r>
             <a:r>
               <a:rPr kumimoji="1" lang="en-US" altLang="ja-JP" dirty="0" smtClean="0"/>
@@ -6651,7 +6601,11 @@
           <a:p>
             <a:r>
               <a:rPr lang="ja-JP" altLang="en-US" dirty="0" smtClean="0"/>
-              <a:t>・デイリースクラムを毎週火曜と金曜に</a:t>
+              <a:t>・デイリースクラムを毎週</a:t>
+            </a:r>
+            <a:r>
+              <a:rPr lang="ja-JP" altLang="en-US" dirty="0" smtClean="0"/>
+              <a:t>火曜日と金曜日に</a:t>
             </a:r>
             <a:r>
               <a:rPr lang="en-US" altLang="ja-JP" dirty="0" smtClean="0"/>
@@ -6773,7 +6727,11 @@
             </a:r>
             <a:r>
               <a:rPr lang="ja-JP" altLang="en-US" dirty="0" smtClean="0"/>
-              <a:t>行い、品質向上に努めた</a:t>
+              <a:t>行い、品質向上に</a:t>
+            </a:r>
+            <a:r>
+              <a:rPr lang="ja-JP" altLang="en-US" dirty="0" smtClean="0"/>
+              <a:t>努める</a:t>
             </a:r>
             <a:endParaRPr kumimoji="1" lang="ja-JP" altLang="en-US" dirty="0"/>
           </a:p>
@@ -6831,7 +6789,11 @@
           <a:bodyPr/>
           <a:lstStyle/>
           <a:p>
-            <a:endParaRPr kumimoji="1" lang="ja-JP" altLang="en-US"/>
+            <a:r>
+              <a:rPr kumimoji="1" lang="ja-JP" altLang="en-US" dirty="0" smtClean="0"/>
+              <a:t>コスト見積り</a:t>
+            </a:r>
+            <a:endParaRPr kumimoji="1" lang="ja-JP" altLang="en-US" dirty="0"/>
           </a:p>
         </p:txBody>
       </p:sp>
@@ -6850,27 +6812,71 @@
           <a:bodyPr/>
           <a:lstStyle/>
           <a:p>
-            <a:endParaRPr kumimoji="1" lang="ja-JP" altLang="en-US"/>
+            <a:r>
+              <a:rPr kumimoji="1" lang="ja-JP" altLang="en-US" dirty="0" smtClean="0"/>
+              <a:t>人件費：０．９</a:t>
+            </a:r>
+            <a:r>
+              <a:rPr kumimoji="1" lang="en-US" altLang="ja-JP" dirty="0" smtClean="0"/>
+              <a:t>×</a:t>
+            </a:r>
+            <a:r>
+              <a:rPr kumimoji="1" lang="ja-JP" altLang="en-US" dirty="0" smtClean="0"/>
+              <a:t>８</a:t>
+            </a:r>
+            <a:r>
+              <a:rPr kumimoji="1" lang="en-US" altLang="ja-JP" dirty="0" smtClean="0"/>
+              <a:t>×</a:t>
+            </a:r>
+            <a:r>
+              <a:rPr kumimoji="1" lang="ja-JP" altLang="en-US" dirty="0" smtClean="0"/>
+              <a:t>２０＝１４４ｈ（時間）</a:t>
+            </a:r>
+            <a:endParaRPr kumimoji="1" lang="en-US" altLang="ja-JP" dirty="0" smtClean="0"/>
+          </a:p>
+          <a:p>
+            <a:endParaRPr lang="en-US" altLang="ja-JP" dirty="0"/>
+          </a:p>
+          <a:p>
+            <a:r>
+              <a:rPr kumimoji="1" lang="ja-JP" altLang="en-US" dirty="0" smtClean="0"/>
+              <a:t>予備費：１４４</a:t>
+            </a:r>
+            <a:r>
+              <a:rPr kumimoji="1" lang="en-US" altLang="ja-JP" dirty="0" smtClean="0"/>
+              <a:t>×</a:t>
+            </a:r>
+            <a:r>
+              <a:rPr kumimoji="1" lang="ja-JP" altLang="en-US" dirty="0" smtClean="0"/>
+              <a:t>０．１＝１４．４ｈ（時間）</a:t>
+            </a:r>
+            <a:endParaRPr kumimoji="1" lang="en-US" altLang="ja-JP" dirty="0" smtClean="0"/>
+          </a:p>
+          <a:p>
+            <a:endParaRPr lang="en-US" altLang="ja-JP" dirty="0"/>
+          </a:p>
+          <a:p>
+            <a:r>
+              <a:rPr kumimoji="1" lang="ja-JP" altLang="en-US" dirty="0" smtClean="0"/>
+              <a:t>計：１５８．４ｈ（時間）</a:t>
+            </a:r>
+            <a:endParaRPr kumimoji="1" lang="en-US" altLang="ja-JP" dirty="0" smtClean="0"/>
+          </a:p>
+          <a:p>
+            <a:endParaRPr kumimoji="1" lang="ja-JP" altLang="en-US" dirty="0"/>
           </a:p>
         </p:txBody>
       </p:sp>
     </p:spTree>
     <p:extLst>
       <p:ext uri="{BB962C8B-B14F-4D97-AF65-F5344CB8AC3E}">
-        <p14:creationId xmlns:p14="http://schemas.microsoft.com/office/powerpoint/2010/main" val="3469298182"/>
+        <p14:creationId xmlns:p14="http://schemas.microsoft.com/office/powerpoint/2010/main" val="1940932362"/>
       </p:ext>
     </p:extLst>
   </p:cSld>
   <p:clrMapOvr>
     <a:masterClrMapping/>
   </p:clrMapOvr>
-  <p:timing>
-    <p:tnLst>
-      <p:par>
-        <p:cTn id="1" dur="indefinite" restart="never" nodeType="tmRoot"/>
-      </p:par>
-    </p:tnLst>
-  </p:timing>
 </p:sld>
 </file>
 
